--- a/diplomski.pptx
+++ b/diplomski.pptx
@@ -229,7 +229,7 @@
           <a:p>
             <a:fld id="{E954564C-CE57-4269-BE3B-A7E3E24615F2}" type="datetimeFigureOut">
               <a:rPr lang="en-US" smtClean="0"/>
-              <a:t>8/15/2020</a:t>
+              <a:t>8/24/2020</a:t>
             </a:fld>
             <a:endParaRPr lang="en-US"/>
           </a:p>
@@ -413,7 +413,7 @@
           <a:p>
             <a:fld id="{03CB2204-80F6-4336-81DD-8AD44F25D2DE}" type="datetimeFigureOut">
               <a:rPr lang="en-US" smtClean="0"/>
-              <a:t>8/15/2020</a:t>
+              <a:t>8/24/2020</a:t>
             </a:fld>
             <a:endParaRPr lang="en-US"/>
           </a:p>
@@ -811,6 +811,89 @@
           <a:bodyPr/>
           <a:lstStyle/>
           <a:p>
+            <a:endParaRPr lang="hr-HR" dirty="0"/>
+          </a:p>
+        </p:txBody>
+      </p:sp>
+      <p:sp>
+        <p:nvSpPr>
+          <p:cNvPr id="4" name="Footer Placeholder 3"/>
+          <p:cNvSpPr>
+            <a:spLocks noGrp="1"/>
+          </p:cNvSpPr>
+          <p:nvPr>
+            <p:ph type="ftr" sz="quarter" idx="4"/>
+          </p:nvPr>
+        </p:nvSpPr>
+        <p:spPr/>
+        <p:txBody>
+          <a:bodyPr/>
+          <a:lstStyle/>
+          <a:p>
+            <a:r>
+              <a:rPr lang="en-US"/>
+              <a:t>Ivo Kovačević, Split, 2020.</a:t>
+            </a:r>
+          </a:p>
+        </p:txBody>
+      </p:sp>
+    </p:spTree>
+    <p:extLst>
+      <p:ext uri="{BB962C8B-B14F-4D97-AF65-F5344CB8AC3E}">
+        <p14:creationId xmlns:p14="http://schemas.microsoft.com/office/powerpoint/2010/main" val="4281497798"/>
+      </p:ext>
+    </p:extLst>
+  </p:cSld>
+  <p:clrMapOvr>
+    <a:masterClrMapping/>
+  </p:clrMapOvr>
+</p:notes>
+</file>
+
+<file path=ppt/notesSlides/notesSlide3.xml><?xml version="1.0" encoding="utf-8"?>
+<p:notes xmlns:a="http://schemas.openxmlformats.org/drawingml/2006/main" xmlns:r="http://schemas.openxmlformats.org/officeDocument/2006/relationships" xmlns:p="http://schemas.openxmlformats.org/presentationml/2006/main">
+  <p:cSld>
+    <p:spTree>
+      <p:nvGrpSpPr>
+        <p:cNvPr id="1" name=""/>
+        <p:cNvGrpSpPr/>
+        <p:nvPr/>
+      </p:nvGrpSpPr>
+      <p:grpSpPr>
+        <a:xfrm>
+          <a:off x="0" y="0"/>
+          <a:ext cx="0" cy="0"/>
+          <a:chOff x="0" y="0"/>
+          <a:chExt cx="0" cy="0"/>
+        </a:xfrm>
+      </p:grpSpPr>
+      <p:sp>
+        <p:nvSpPr>
+          <p:cNvPr id="2" name="Slide Image Placeholder 1"/>
+          <p:cNvSpPr>
+            <a:spLocks noGrp="1" noRot="1" noChangeAspect="1"/>
+          </p:cNvSpPr>
+          <p:nvPr>
+            <p:ph type="sldImg"/>
+          </p:nvPr>
+        </p:nvSpPr>
+        <p:spPr/>
+      </p:sp>
+      <p:sp>
+        <p:nvSpPr>
+          <p:cNvPr id="3" name="Notes Placeholder 2"/>
+          <p:cNvSpPr>
+            <a:spLocks noGrp="1"/>
+          </p:cNvSpPr>
+          <p:nvPr>
+            <p:ph type="body" idx="1"/>
+          </p:nvPr>
+        </p:nvSpPr>
+        <p:spPr/>
+        <p:txBody>
+          <a:bodyPr/>
+          <a:lstStyle/>
+          <a:p>
             <a:endParaRPr lang="en-US" dirty="0"/>
           </a:p>
         </p:txBody>
@@ -841,6 +924,438 @@
     <p:extLst>
       <p:ext uri="{BB962C8B-B14F-4D97-AF65-F5344CB8AC3E}">
         <p14:creationId xmlns:p14="http://schemas.microsoft.com/office/powerpoint/2010/main" val="282266385"/>
+      </p:ext>
+    </p:extLst>
+  </p:cSld>
+  <p:clrMapOvr>
+    <a:masterClrMapping/>
+  </p:clrMapOvr>
+</p:notes>
+</file>
+
+<file path=ppt/notesSlides/notesSlide4.xml><?xml version="1.0" encoding="utf-8"?>
+<p:notes xmlns:a="http://schemas.openxmlformats.org/drawingml/2006/main" xmlns:r="http://schemas.openxmlformats.org/officeDocument/2006/relationships" xmlns:p="http://schemas.openxmlformats.org/presentationml/2006/main">
+  <p:cSld>
+    <p:spTree>
+      <p:nvGrpSpPr>
+        <p:cNvPr id="1" name=""/>
+        <p:cNvGrpSpPr/>
+        <p:nvPr/>
+      </p:nvGrpSpPr>
+      <p:grpSpPr>
+        <a:xfrm>
+          <a:off x="0" y="0"/>
+          <a:ext cx="0" cy="0"/>
+          <a:chOff x="0" y="0"/>
+          <a:chExt cx="0" cy="0"/>
+        </a:xfrm>
+      </p:grpSpPr>
+      <p:sp>
+        <p:nvSpPr>
+          <p:cNvPr id="2" name="Slide Image Placeholder 1"/>
+          <p:cNvSpPr>
+            <a:spLocks noGrp="1" noRot="1" noChangeAspect="1"/>
+          </p:cNvSpPr>
+          <p:nvPr>
+            <p:ph type="sldImg"/>
+          </p:nvPr>
+        </p:nvSpPr>
+        <p:spPr/>
+      </p:sp>
+      <p:sp>
+        <p:nvSpPr>
+          <p:cNvPr id="3" name="Notes Placeholder 2"/>
+          <p:cNvSpPr>
+            <a:spLocks noGrp="1"/>
+          </p:cNvSpPr>
+          <p:nvPr>
+            <p:ph type="body" idx="1"/>
+          </p:nvPr>
+        </p:nvSpPr>
+        <p:spPr/>
+        <p:txBody>
+          <a:bodyPr/>
+          <a:lstStyle/>
+          <a:p>
+            <a:endParaRPr lang="en-US" dirty="0"/>
+          </a:p>
+        </p:txBody>
+      </p:sp>
+      <p:sp>
+        <p:nvSpPr>
+          <p:cNvPr id="4" name="Footer Placeholder 3"/>
+          <p:cNvSpPr>
+            <a:spLocks noGrp="1"/>
+          </p:cNvSpPr>
+          <p:nvPr>
+            <p:ph type="ftr" sz="quarter" idx="4"/>
+          </p:nvPr>
+        </p:nvSpPr>
+        <p:spPr/>
+        <p:txBody>
+          <a:bodyPr/>
+          <a:lstStyle/>
+          <a:p>
+            <a:r>
+              <a:rPr lang="en-US"/>
+              <a:t>Ivo Kovačević, Split, 2020.</a:t>
+            </a:r>
+          </a:p>
+        </p:txBody>
+      </p:sp>
+    </p:spTree>
+    <p:extLst>
+      <p:ext uri="{BB962C8B-B14F-4D97-AF65-F5344CB8AC3E}">
+        <p14:creationId xmlns:p14="http://schemas.microsoft.com/office/powerpoint/2010/main" val="2865071356"/>
+      </p:ext>
+    </p:extLst>
+  </p:cSld>
+  <p:clrMapOvr>
+    <a:masterClrMapping/>
+  </p:clrMapOvr>
+</p:notes>
+</file>
+
+<file path=ppt/notesSlides/notesSlide5.xml><?xml version="1.0" encoding="utf-8"?>
+<p:notes xmlns:a="http://schemas.openxmlformats.org/drawingml/2006/main" xmlns:r="http://schemas.openxmlformats.org/officeDocument/2006/relationships" xmlns:p="http://schemas.openxmlformats.org/presentationml/2006/main">
+  <p:cSld>
+    <p:spTree>
+      <p:nvGrpSpPr>
+        <p:cNvPr id="1" name=""/>
+        <p:cNvGrpSpPr/>
+        <p:nvPr/>
+      </p:nvGrpSpPr>
+      <p:grpSpPr>
+        <a:xfrm>
+          <a:off x="0" y="0"/>
+          <a:ext cx="0" cy="0"/>
+          <a:chOff x="0" y="0"/>
+          <a:chExt cx="0" cy="0"/>
+        </a:xfrm>
+      </p:grpSpPr>
+      <p:sp>
+        <p:nvSpPr>
+          <p:cNvPr id="2" name="Slide Image Placeholder 1"/>
+          <p:cNvSpPr>
+            <a:spLocks noGrp="1" noRot="1" noChangeAspect="1"/>
+          </p:cNvSpPr>
+          <p:nvPr>
+            <p:ph type="sldImg"/>
+          </p:nvPr>
+        </p:nvSpPr>
+        <p:spPr/>
+      </p:sp>
+      <p:sp>
+        <p:nvSpPr>
+          <p:cNvPr id="3" name="Notes Placeholder 2"/>
+          <p:cNvSpPr>
+            <a:spLocks noGrp="1"/>
+          </p:cNvSpPr>
+          <p:nvPr>
+            <p:ph type="body" idx="1"/>
+          </p:nvPr>
+        </p:nvSpPr>
+        <p:spPr/>
+        <p:txBody>
+          <a:bodyPr/>
+          <a:lstStyle/>
+          <a:p>
+            <a:endParaRPr lang="en-US" dirty="0"/>
+          </a:p>
+        </p:txBody>
+      </p:sp>
+      <p:sp>
+        <p:nvSpPr>
+          <p:cNvPr id="4" name="Footer Placeholder 3"/>
+          <p:cNvSpPr>
+            <a:spLocks noGrp="1"/>
+          </p:cNvSpPr>
+          <p:nvPr>
+            <p:ph type="ftr" sz="quarter" idx="4"/>
+          </p:nvPr>
+        </p:nvSpPr>
+        <p:spPr/>
+        <p:txBody>
+          <a:bodyPr/>
+          <a:lstStyle/>
+          <a:p>
+            <a:r>
+              <a:rPr lang="en-US"/>
+              <a:t>Ivo Kovačević, Split, 2020.</a:t>
+            </a:r>
+          </a:p>
+        </p:txBody>
+      </p:sp>
+    </p:spTree>
+    <p:extLst>
+      <p:ext uri="{BB962C8B-B14F-4D97-AF65-F5344CB8AC3E}">
+        <p14:creationId xmlns:p14="http://schemas.microsoft.com/office/powerpoint/2010/main" val="1657848226"/>
+      </p:ext>
+    </p:extLst>
+  </p:cSld>
+  <p:clrMapOvr>
+    <a:masterClrMapping/>
+  </p:clrMapOvr>
+</p:notes>
+</file>
+
+<file path=ppt/notesSlides/notesSlide6.xml><?xml version="1.0" encoding="utf-8"?>
+<p:notes xmlns:a="http://schemas.openxmlformats.org/drawingml/2006/main" xmlns:r="http://schemas.openxmlformats.org/officeDocument/2006/relationships" xmlns:p="http://schemas.openxmlformats.org/presentationml/2006/main">
+  <p:cSld>
+    <p:spTree>
+      <p:nvGrpSpPr>
+        <p:cNvPr id="1" name=""/>
+        <p:cNvGrpSpPr/>
+        <p:nvPr/>
+      </p:nvGrpSpPr>
+      <p:grpSpPr>
+        <a:xfrm>
+          <a:off x="0" y="0"/>
+          <a:ext cx="0" cy="0"/>
+          <a:chOff x="0" y="0"/>
+          <a:chExt cx="0" cy="0"/>
+        </a:xfrm>
+      </p:grpSpPr>
+      <p:sp>
+        <p:nvSpPr>
+          <p:cNvPr id="2" name="Slide Image Placeholder 1"/>
+          <p:cNvSpPr>
+            <a:spLocks noGrp="1" noRot="1" noChangeAspect="1"/>
+          </p:cNvSpPr>
+          <p:nvPr>
+            <p:ph type="sldImg"/>
+          </p:nvPr>
+        </p:nvSpPr>
+        <p:spPr/>
+      </p:sp>
+      <p:sp>
+        <p:nvSpPr>
+          <p:cNvPr id="3" name="Notes Placeholder 2"/>
+          <p:cNvSpPr>
+            <a:spLocks noGrp="1"/>
+          </p:cNvSpPr>
+          <p:nvPr>
+            <p:ph type="body" idx="1"/>
+          </p:nvPr>
+        </p:nvSpPr>
+        <p:spPr/>
+        <p:txBody>
+          <a:bodyPr/>
+          <a:lstStyle/>
+          <a:p>
+            <a:pPr marL="0" marR="0" lvl="0" indent="0" algn="l" defTabSz="914400" rtl="0" eaLnBrk="1" fontAlgn="auto" latinLnBrk="0" hangingPunct="1">
+              <a:lnSpc>
+                <a:spcPct val="100000"/>
+              </a:lnSpc>
+              <a:spcBef>
+                <a:spcPts val="0"/>
+              </a:spcBef>
+              <a:spcAft>
+                <a:spcPts val="0"/>
+              </a:spcAft>
+              <a:buClrTx/>
+              <a:buSzTx/>
+              <a:buFontTx/>
+              <a:buNone/>
+              <a:tabLst/>
+              <a:defRPr/>
+            </a:pPr>
+            <a:endParaRPr lang="en-US" dirty="0"/>
+          </a:p>
+        </p:txBody>
+      </p:sp>
+      <p:sp>
+        <p:nvSpPr>
+          <p:cNvPr id="4" name="Footer Placeholder 3"/>
+          <p:cNvSpPr>
+            <a:spLocks noGrp="1"/>
+          </p:cNvSpPr>
+          <p:nvPr>
+            <p:ph type="ftr" sz="quarter" idx="4"/>
+          </p:nvPr>
+        </p:nvSpPr>
+        <p:spPr/>
+        <p:txBody>
+          <a:bodyPr/>
+          <a:lstStyle/>
+          <a:p>
+            <a:r>
+              <a:rPr lang="en-US"/>
+              <a:t>Ivo Kovačević, Split, 2020.</a:t>
+            </a:r>
+          </a:p>
+        </p:txBody>
+      </p:sp>
+    </p:spTree>
+    <p:extLst>
+      <p:ext uri="{BB962C8B-B14F-4D97-AF65-F5344CB8AC3E}">
+        <p14:creationId xmlns:p14="http://schemas.microsoft.com/office/powerpoint/2010/main" val="1594380169"/>
+      </p:ext>
+    </p:extLst>
+  </p:cSld>
+  <p:clrMapOvr>
+    <a:masterClrMapping/>
+  </p:clrMapOvr>
+</p:notes>
+</file>
+
+<file path=ppt/notesSlides/notesSlide7.xml><?xml version="1.0" encoding="utf-8"?>
+<p:notes xmlns:a="http://schemas.openxmlformats.org/drawingml/2006/main" xmlns:r="http://schemas.openxmlformats.org/officeDocument/2006/relationships" xmlns:p="http://schemas.openxmlformats.org/presentationml/2006/main">
+  <p:cSld>
+    <p:spTree>
+      <p:nvGrpSpPr>
+        <p:cNvPr id="1" name=""/>
+        <p:cNvGrpSpPr/>
+        <p:nvPr/>
+      </p:nvGrpSpPr>
+      <p:grpSpPr>
+        <a:xfrm>
+          <a:off x="0" y="0"/>
+          <a:ext cx="0" cy="0"/>
+          <a:chOff x="0" y="0"/>
+          <a:chExt cx="0" cy="0"/>
+        </a:xfrm>
+      </p:grpSpPr>
+      <p:sp>
+        <p:nvSpPr>
+          <p:cNvPr id="2" name="Slide Image Placeholder 1"/>
+          <p:cNvSpPr>
+            <a:spLocks noGrp="1" noRot="1" noChangeAspect="1"/>
+          </p:cNvSpPr>
+          <p:nvPr>
+            <p:ph type="sldImg"/>
+          </p:nvPr>
+        </p:nvSpPr>
+        <p:spPr/>
+      </p:sp>
+      <p:sp>
+        <p:nvSpPr>
+          <p:cNvPr id="3" name="Notes Placeholder 2"/>
+          <p:cNvSpPr>
+            <a:spLocks noGrp="1"/>
+          </p:cNvSpPr>
+          <p:nvPr>
+            <p:ph type="body" idx="1"/>
+          </p:nvPr>
+        </p:nvSpPr>
+        <p:spPr/>
+        <p:txBody>
+          <a:bodyPr/>
+          <a:lstStyle/>
+          <a:p>
+            <a:endParaRPr lang="en-US" dirty="0"/>
+          </a:p>
+        </p:txBody>
+      </p:sp>
+      <p:sp>
+        <p:nvSpPr>
+          <p:cNvPr id="4" name="Footer Placeholder 3"/>
+          <p:cNvSpPr>
+            <a:spLocks noGrp="1"/>
+          </p:cNvSpPr>
+          <p:nvPr>
+            <p:ph type="ftr" sz="quarter" idx="4"/>
+          </p:nvPr>
+        </p:nvSpPr>
+        <p:spPr/>
+        <p:txBody>
+          <a:bodyPr/>
+          <a:lstStyle/>
+          <a:p>
+            <a:r>
+              <a:rPr lang="en-US"/>
+              <a:t>Ivo Kovačević, Split, 2020.</a:t>
+            </a:r>
+          </a:p>
+        </p:txBody>
+      </p:sp>
+    </p:spTree>
+    <p:extLst>
+      <p:ext uri="{BB962C8B-B14F-4D97-AF65-F5344CB8AC3E}">
+        <p14:creationId xmlns:p14="http://schemas.microsoft.com/office/powerpoint/2010/main" val="770635135"/>
+      </p:ext>
+    </p:extLst>
+  </p:cSld>
+  <p:clrMapOvr>
+    <a:masterClrMapping/>
+  </p:clrMapOvr>
+</p:notes>
+</file>
+
+<file path=ppt/notesSlides/notesSlide8.xml><?xml version="1.0" encoding="utf-8"?>
+<p:notes xmlns:a="http://schemas.openxmlformats.org/drawingml/2006/main" xmlns:r="http://schemas.openxmlformats.org/officeDocument/2006/relationships" xmlns:p="http://schemas.openxmlformats.org/presentationml/2006/main">
+  <p:cSld>
+    <p:spTree>
+      <p:nvGrpSpPr>
+        <p:cNvPr id="1" name=""/>
+        <p:cNvGrpSpPr/>
+        <p:nvPr/>
+      </p:nvGrpSpPr>
+      <p:grpSpPr>
+        <a:xfrm>
+          <a:off x="0" y="0"/>
+          <a:ext cx="0" cy="0"/>
+          <a:chOff x="0" y="0"/>
+          <a:chExt cx="0" cy="0"/>
+        </a:xfrm>
+      </p:grpSpPr>
+      <p:sp>
+        <p:nvSpPr>
+          <p:cNvPr id="2" name="Slide Image Placeholder 1"/>
+          <p:cNvSpPr>
+            <a:spLocks noGrp="1" noRot="1" noChangeAspect="1"/>
+          </p:cNvSpPr>
+          <p:nvPr>
+            <p:ph type="sldImg"/>
+          </p:nvPr>
+        </p:nvSpPr>
+        <p:spPr/>
+      </p:sp>
+      <p:sp>
+        <p:nvSpPr>
+          <p:cNvPr id="3" name="Notes Placeholder 2"/>
+          <p:cNvSpPr>
+            <a:spLocks noGrp="1"/>
+          </p:cNvSpPr>
+          <p:nvPr>
+            <p:ph type="body" idx="1"/>
+          </p:nvPr>
+        </p:nvSpPr>
+        <p:spPr/>
+        <p:txBody>
+          <a:bodyPr/>
+          <a:lstStyle/>
+          <a:p>
+            <a:endParaRPr lang="en-US" dirty="0"/>
+          </a:p>
+        </p:txBody>
+      </p:sp>
+      <p:sp>
+        <p:nvSpPr>
+          <p:cNvPr id="4" name="Footer Placeholder 3"/>
+          <p:cNvSpPr>
+            <a:spLocks noGrp="1"/>
+          </p:cNvSpPr>
+          <p:nvPr>
+            <p:ph type="ftr" sz="quarter" idx="4"/>
+          </p:nvPr>
+        </p:nvSpPr>
+        <p:spPr/>
+        <p:txBody>
+          <a:bodyPr/>
+          <a:lstStyle/>
+          <a:p>
+            <a:r>
+              <a:rPr lang="en-US"/>
+              <a:t>Ivo Kovačević, Split, 2020.</a:t>
+            </a:r>
+          </a:p>
+        </p:txBody>
+      </p:sp>
+    </p:spTree>
+    <p:extLst>
+      <p:ext uri="{BB962C8B-B14F-4D97-AF65-F5344CB8AC3E}">
+        <p14:creationId xmlns:p14="http://schemas.microsoft.com/office/powerpoint/2010/main" val="1998824019"/>
       </p:ext>
     </p:extLst>
   </p:cSld>
@@ -1021,7 +1536,7 @@
           <a:p>
             <a:fld id="{4074ABCE-C7FD-45AC-BA9C-EE4C075C67D6}" type="datetime1">
               <a:rPr lang="en-US" smtClean="0"/>
-              <a:t>8/15/2020</a:t>
+              <a:t>8/24/2020</a:t>
             </a:fld>
             <a:endParaRPr lang="en-US"/>
           </a:p>
@@ -1336,7 +1851,7 @@
           <a:p>
             <a:fld id="{E0A63F72-E185-4BBE-976E-02BF8F207638}" type="datetime1">
               <a:rPr lang="en-US" smtClean="0"/>
-              <a:t>8/15/2020</a:t>
+              <a:t>8/24/2020</a:t>
             </a:fld>
             <a:endParaRPr lang="en-US" dirty="0"/>
           </a:p>
@@ -1562,7 +2077,7 @@
           <a:p>
             <a:fld id="{ABD0F4D2-BA8A-49E3-8A6D-04D68B3AD915}" type="datetime1">
               <a:rPr lang="en-US" smtClean="0"/>
-              <a:t>8/15/2020</a:t>
+              <a:t>8/24/2020</a:t>
             </a:fld>
             <a:endParaRPr lang="en-US" dirty="0"/>
           </a:p>
@@ -1857,7 +2372,7 @@
           <a:p>
             <a:fld id="{E34FD979-B9CE-4880-90EC-18903F58BBCD}" type="datetime1">
               <a:rPr lang="en-US" smtClean="0"/>
-              <a:t>8/15/2020</a:t>
+              <a:t>8/24/2020</a:t>
             </a:fld>
             <a:endParaRPr lang="en-US" dirty="0"/>
           </a:p>
@@ -2315,7 +2830,7 @@
           <a:p>
             <a:fld id="{6D1D246E-526C-4C69-867F-7CE2E0D6A14B}" type="datetime1">
               <a:rPr lang="en-US" smtClean="0"/>
-              <a:t>8/15/2020</a:t>
+              <a:t>8/24/2020</a:t>
             </a:fld>
             <a:endParaRPr lang="en-US" dirty="0"/>
           </a:p>
@@ -2895,7 +3410,7 @@
           <a:p>
             <a:fld id="{4030CF7F-D82B-4D5D-B552-7E6ED0B730F3}" type="datetime1">
               <a:rPr lang="en-US" smtClean="0"/>
-              <a:t>8/15/2020</a:t>
+              <a:t>8/24/2020</a:t>
             </a:fld>
             <a:endParaRPr lang="en-US" dirty="0"/>
           </a:p>
@@ -3751,7 +4266,7 @@
           <a:p>
             <a:fld id="{F97489EC-FC8F-429B-BCC5-2909BFC834F7}" type="datetime1">
               <a:rPr lang="en-US" smtClean="0"/>
-              <a:t>8/15/2020</a:t>
+              <a:t>8/24/2020</a:t>
             </a:fld>
             <a:endParaRPr lang="en-US" dirty="0"/>
           </a:p>
@@ -3960,7 +4475,7 @@
           <a:p>
             <a:fld id="{5B179D6C-2EEC-4B5E-ACAA-A6B128A1A33A}" type="datetime1">
               <a:rPr lang="en-US" smtClean="0"/>
-              <a:t>8/15/2020</a:t>
+              <a:t>8/24/2020</a:t>
             </a:fld>
             <a:endParaRPr lang="en-US" dirty="0"/>
           </a:p>
@@ -4178,7 +4693,7 @@
           <a:p>
             <a:fld id="{A803D2B4-A5BD-45EC-A01A-455D915AD304}" type="datetime1">
               <a:rPr lang="en-US" smtClean="0"/>
-              <a:t>8/15/2020</a:t>
+              <a:t>8/24/2020</a:t>
             </a:fld>
             <a:endParaRPr lang="en-US" dirty="0"/>
           </a:p>
@@ -4387,7 +4902,7 @@
           <a:p>
             <a:fld id="{1D16A30D-73F9-4EEC-9AF2-15E3C949AA16}" type="datetime1">
               <a:rPr lang="en-US" smtClean="0"/>
-              <a:t>8/15/2020</a:t>
+              <a:t>8/24/2020</a:t>
             </a:fld>
             <a:endParaRPr lang="en-US" dirty="0"/>
           </a:p>
@@ -4671,7 +5186,7 @@
           <a:p>
             <a:fld id="{5F9658A8-6681-4C27-BDA4-450B769A50F1}" type="datetime1">
               <a:rPr lang="en-US" smtClean="0"/>
-              <a:t>8/15/2020</a:t>
+              <a:t>8/24/2020</a:t>
             </a:fld>
             <a:endParaRPr lang="en-US" dirty="0"/>
           </a:p>
@@ -4942,7 +5457,7 @@
           <a:p>
             <a:fld id="{67D7DEC1-707A-4F4A-AF93-38BD42C3CA88}" type="datetime1">
               <a:rPr lang="en-US" smtClean="0"/>
-              <a:t>8/15/2020</a:t>
+              <a:t>8/24/2020</a:t>
             </a:fld>
             <a:endParaRPr lang="en-US" dirty="0"/>
           </a:p>
@@ -5361,7 +5876,7 @@
           <a:p>
             <a:fld id="{370DA43B-3EE8-4A99-9D54-428FE0DC8E1B}" type="datetime1">
               <a:rPr lang="en-US" smtClean="0"/>
-              <a:t>8/15/2020</a:t>
+              <a:t>8/24/2020</a:t>
             </a:fld>
             <a:endParaRPr lang="en-US" dirty="0"/>
           </a:p>
@@ -5513,7 +6028,7 @@
           <a:p>
             <a:fld id="{13D47D91-AC6A-4EEC-93B9-90DDCF0FA79A}" type="datetime1">
               <a:rPr lang="en-US" smtClean="0"/>
-              <a:t>8/15/2020</a:t>
+              <a:t>8/24/2020</a:t>
             </a:fld>
             <a:endParaRPr lang="en-US" dirty="0"/>
           </a:p>
@@ -5642,7 +6157,7 @@
           <a:p>
             <a:fld id="{2A22481E-468C-487A-83CE-1938B9609B17}" type="datetime1">
               <a:rPr lang="en-US" smtClean="0"/>
-              <a:t>8/15/2020</a:t>
+              <a:t>8/24/2020</a:t>
             </a:fld>
             <a:endParaRPr lang="en-US" dirty="0"/>
           </a:p>
@@ -5925,7 +6440,7 @@
           <a:p>
             <a:fld id="{741B5287-A240-426D-95A9-38256A2EE1E6}" type="datetime1">
               <a:rPr lang="en-US" smtClean="0"/>
-              <a:t>8/15/2020</a:t>
+              <a:t>8/24/2020</a:t>
             </a:fld>
             <a:endParaRPr lang="en-US" dirty="0"/>
           </a:p>
@@ -6241,7 +6756,7 @@
           <a:p>
             <a:fld id="{970C3BF7-A05D-4CA0-90A8-9A719A78D7F6}" type="datetime1">
               <a:rPr lang="en-US" smtClean="0"/>
-              <a:t>8/15/2020</a:t>
+              <a:t>8/24/2020</a:t>
             </a:fld>
             <a:endParaRPr lang="en-US" dirty="0"/>
           </a:p>
@@ -6498,7 +7013,7 @@
           <a:p>
             <a:fld id="{6F54F55A-D268-4C13-93A5-473AE556BB0D}" type="datetime1">
               <a:rPr lang="en-US" smtClean="0"/>
-              <a:t>8/15/2020</a:t>
+              <a:t>8/24/2020</a:t>
             </a:fld>
             <a:endParaRPr lang="en-US" dirty="0"/>
           </a:p>
@@ -7562,13 +8077,20 @@
           <a:bodyPr/>
           <a:lstStyle/>
           <a:p>
-            <a:pPr marL="457200" indent="-457200">
-              <a:buFont typeface="+mj-lt"/>
-              <a:buAutoNum type="arabicPeriod"/>
+            <a:pPr marL="0" indent="0">
+              <a:buNone/>
             </a:pPr>
             <a:r>
               <a:rPr lang="hr-HR" dirty="0"/>
-              <a:t>[1] Marko Lukša, „</a:t>
+              <a:t>[1</a:t>
+            </a:r>
+            <a:r>
+              <a:rPr lang="hr-HR"/>
+              <a:t>]  Marko </a:t>
+            </a:r>
+            <a:r>
+              <a:rPr lang="hr-HR" dirty="0"/>
+              <a:t>Lukša, „</a:t>
             </a:r>
             <a:r>
               <a:rPr lang="hr-HR" dirty="0" err="1"/>
@@ -8330,7 +8852,7 @@
           </p:nvPr>
         </p:nvPicPr>
         <p:blipFill>
-          <a:blip r:embed="rId2">
+          <a:blip r:embed="rId3">
             <a:extLst>
               <a:ext uri="{28A0092B-C50C-407E-A947-70E740481C1C}">
                 <a14:useLocalDpi xmlns:a14="http://schemas.microsoft.com/office/drawing/2010/main" val="0"/>
@@ -8391,13 +8913,13 @@
           <p:nvPr/>
         </p:nvPicPr>
         <p:blipFill>
-          <a:blip r:embed="rId3">
+          <a:blip r:embed="rId4">
             <a:extLst>
               <a:ext uri="{28A0092B-C50C-407E-A947-70E740481C1C}">
                 <a14:useLocalDpi xmlns:a14="http://schemas.microsoft.com/office/drawing/2010/main" val="0"/>
               </a:ext>
               <a:ext uri="{96DAC541-7B7A-43D3-8B79-37D633B846F1}">
-                <asvg:svgBlip xmlns:asvg="http://schemas.microsoft.com/office/drawing/2016/SVG/main" r:embed="rId4"/>
+                <asvg:svgBlip xmlns:asvg="http://schemas.microsoft.com/office/drawing/2016/SVG/main" r:embed="rId5"/>
               </a:ext>
             </a:extLst>
           </a:blip>
@@ -8430,13 +8952,13 @@
           <p:nvPr/>
         </p:nvPicPr>
         <p:blipFill>
-          <a:blip r:embed="rId3">
+          <a:blip r:embed="rId4">
             <a:extLst>
               <a:ext uri="{28A0092B-C50C-407E-A947-70E740481C1C}">
                 <a14:useLocalDpi xmlns:a14="http://schemas.microsoft.com/office/drawing/2010/main" val="0"/>
               </a:ext>
               <a:ext uri="{96DAC541-7B7A-43D3-8B79-37D633B846F1}">
-                <asvg:svgBlip xmlns:asvg="http://schemas.microsoft.com/office/drawing/2016/SVG/main" r:embed="rId4"/>
+                <asvg:svgBlip xmlns:asvg="http://schemas.microsoft.com/office/drawing/2016/SVG/main" r:embed="rId5"/>
               </a:ext>
             </a:extLst>
           </a:blip>
@@ -8469,13 +8991,13 @@
           <p:nvPr/>
         </p:nvPicPr>
         <p:blipFill>
-          <a:blip r:embed="rId5">
+          <a:blip r:embed="rId6">
             <a:extLst>
               <a:ext uri="{28A0092B-C50C-407E-A947-70E740481C1C}">
                 <a14:useLocalDpi xmlns:a14="http://schemas.microsoft.com/office/drawing/2010/main" val="0"/>
               </a:ext>
               <a:ext uri="{96DAC541-7B7A-43D3-8B79-37D633B846F1}">
-                <asvg:svgBlip xmlns:asvg="http://schemas.microsoft.com/office/drawing/2016/SVG/main" r:embed="rId6"/>
+                <asvg:svgBlip xmlns:asvg="http://schemas.microsoft.com/office/drawing/2016/SVG/main" r:embed="rId7"/>
               </a:ext>
             </a:extLst>
           </a:blip>
@@ -8807,7 +9329,7 @@
           <p:nvPr/>
         </p:nvPicPr>
         <p:blipFill>
-          <a:blip r:embed="rId2">
+          <a:blip r:embed="rId3">
             <a:extLst>
               <a:ext uri="{28A0092B-C50C-407E-A947-70E740481C1C}">
                 <a14:useLocalDpi xmlns:a14="http://schemas.microsoft.com/office/drawing/2010/main" val="0"/>
@@ -9011,7 +9533,7 @@
           <p:nvPr/>
         </p:nvPicPr>
         <p:blipFill>
-          <a:blip r:embed="rId2">
+          <a:blip r:embed="rId3">
             <a:extLst>
               <a:ext uri="{28A0092B-C50C-407E-A947-70E740481C1C}">
                 <a14:useLocalDpi xmlns:a14="http://schemas.microsoft.com/office/drawing/2010/main" val="0"/>
@@ -9165,7 +9687,7 @@
           <p:nvPr/>
         </p:nvPicPr>
         <p:blipFill>
-          <a:blip r:embed="rId2">
+          <a:blip r:embed="rId3">
             <a:extLst>
               <a:ext uri="{28A0092B-C50C-407E-A947-70E740481C1C}">
                 <a14:useLocalDpi xmlns:a14="http://schemas.microsoft.com/office/drawing/2010/main" val="0"/>
@@ -9199,7 +9721,7 @@
           <p:nvPr/>
         </p:nvPicPr>
         <p:blipFill>
-          <a:blip r:embed="rId3">
+          <a:blip r:embed="rId4">
             <a:extLst>
               <a:ext uri="{28A0092B-C50C-407E-A947-70E740481C1C}">
                 <a14:useLocalDpi xmlns:a14="http://schemas.microsoft.com/office/drawing/2010/main" val="0"/>
